--- a/Presentations/20200506 - Demo.pptx
+++ b/Presentations/20200506 - Demo.pptx
@@ -12406,8 +12406,8 @@
         </p:blipFill>
         <p:spPr>
           <a:xfrm>
-            <a:off x="3025123" y="2865925"/>
-            <a:ext cx="3093750" cy="2178000"/>
+            <a:off x="2808600" y="2756300"/>
+            <a:ext cx="3526800" cy="2351200"/>
           </a:xfrm>
           <a:prstGeom prst="rect">
             <a:avLst/>
